--- a/Teste Manual.pptx
+++ b/Teste Manual.pptx
@@ -273,7 +273,7 @@
           <a:p>
             <a:fld id="{C43A76A3-ADC8-4477-8FC1-B9DD55D84908}" type="datetime1">
               <a:rPr lang="en-US" smtClean="0"/>
-              <a:t>10/26/2025</a:t>
+              <a:t>10/27/2025</a:t>
             </a:fld>
             <a:endParaRPr lang="en-US" dirty="0"/>
           </a:p>
@@ -471,7 +471,7 @@
           <a:p>
             <a:fld id="{D6762538-DC4D-4667-96E5-B3278DDF8B12}" type="datetime1">
               <a:rPr lang="en-US" smtClean="0"/>
-              <a:t>10/26/2025</a:t>
+              <a:t>10/27/2025</a:t>
             </a:fld>
             <a:endParaRPr lang="en-US"/>
           </a:p>
@@ -679,7 +679,7 @@
           <a:p>
             <a:fld id="{05880548-5C08-4BE3-B63E-F2BB63B0B00C}" type="datetime1">
               <a:rPr lang="en-US" smtClean="0"/>
-              <a:t>10/26/2025</a:t>
+              <a:t>10/27/2025</a:t>
             </a:fld>
             <a:endParaRPr lang="en-US"/>
           </a:p>
@@ -877,7 +877,7 @@
           <a:p>
             <a:fld id="{DE7F49BE-398D-479A-8A7E-5DDBCA61EDCB}" type="datetime1">
               <a:rPr lang="en-US" smtClean="0"/>
-              <a:t>10/26/2025</a:t>
+              <a:t>10/27/2025</a:t>
             </a:fld>
             <a:endParaRPr lang="en-US"/>
           </a:p>
@@ -1153,7 +1153,7 @@
           <a:p>
             <a:fld id="{CCD0C193-4974-4A1F-9C63-07D595E30D66}" type="datetime1">
               <a:rPr lang="en-US" smtClean="0"/>
-              <a:t>10/26/2025</a:t>
+              <a:t>10/27/2025</a:t>
             </a:fld>
             <a:endParaRPr lang="en-US"/>
           </a:p>
@@ -1420,7 +1420,7 @@
           <a:p>
             <a:fld id="{701AA87F-28D4-4BF0-B81F-877A89DFD5AC}" type="datetime1">
               <a:rPr lang="en-US" smtClean="0"/>
-              <a:t>10/26/2025</a:t>
+              <a:t>10/27/2025</a:t>
             </a:fld>
             <a:endParaRPr lang="en-US"/>
           </a:p>
@@ -1834,7 +1834,7 @@
           <a:p>
             <a:fld id="{A8A9F1F3-208B-49A3-B337-9C8ACEB3E0E1}" type="datetime1">
               <a:rPr lang="en-US" smtClean="0"/>
-              <a:t>10/26/2025</a:t>
+              <a:t>10/27/2025</a:t>
             </a:fld>
             <a:endParaRPr lang="en-US"/>
           </a:p>
@@ -1981,7 +1981,7 @@
           <a:p>
             <a:fld id="{27AF6CA6-7293-4AA2-A0E0-A3BF4416E786}" type="datetime1">
               <a:rPr lang="en-US" smtClean="0"/>
-              <a:t>10/26/2025</a:t>
+              <a:t>10/27/2025</a:t>
             </a:fld>
             <a:endParaRPr lang="en-US"/>
           </a:p>
@@ -2094,7 +2094,7 @@
           <a:p>
             <a:fld id="{98D87016-7BCD-46FB-8EE3-AB6C369108B4}" type="datetime1">
               <a:rPr lang="en-US" smtClean="0"/>
-              <a:t>10/26/2025</a:t>
+              <a:t>10/27/2025</a:t>
             </a:fld>
             <a:endParaRPr lang="en-US"/>
           </a:p>
@@ -2413,7 +2413,7 @@
           <a:p>
             <a:fld id="{A1547011-1FFC-4EF8-9A2E-53B4AD2ADBD4}" type="datetime1">
               <a:rPr lang="en-US" smtClean="0"/>
-              <a:t>10/26/2025</a:t>
+              <a:t>10/27/2025</a:t>
             </a:fld>
             <a:endParaRPr lang="en-US"/>
           </a:p>
@@ -2708,7 +2708,7 @@
           <a:p>
             <a:fld id="{9562EB47-45B4-4EF5-A743-B4885DD2F060}" type="datetime1">
               <a:rPr lang="en-US" smtClean="0"/>
-              <a:t>10/26/2025</a:t>
+              <a:t>10/27/2025</a:t>
             </a:fld>
             <a:endParaRPr lang="en-US"/>
           </a:p>
@@ -4093,7 +4093,7 @@
           <a:p>
             <a:fld id="{4A8D24A4-5FEC-4062-8995-EB21925B3B40}" type="datetime1">
               <a:rPr lang="en-US" smtClean="0"/>
-              <a:t>10/26/2025</a:t>
+              <a:t>10/27/2025</a:t>
             </a:fld>
             <a:endParaRPr lang="en-US" sz="1000" dirty="0"/>
           </a:p>
@@ -6288,795 +6288,60 @@
           <a:lstStyle/>
           <a:p>
             <a:r>
-              <a:rPr lang="de-DE" dirty="0">
+              <a:rPr lang="pt-BR" dirty="0">
                 <a:solidFill>
                   <a:schemeClr val="bg1"/>
                 </a:solidFill>
-                <a:ea typeface="+mn-lt"/>
-                <a:cs typeface="+mn-lt"/>
               </a:rPr>
-              <a:t>O teste </a:t>
-            </a:r>
-            <a:r>
-              <a:rPr lang="de-DE" dirty="0" err="1">
+              <a:t>O teste manual é realizado por um testador sem automação.</a:t>
+            </a:r>
+            <a:br>
+              <a:rPr lang="pt-BR" dirty="0">
                 <a:solidFill>
                   <a:schemeClr val="bg1"/>
                 </a:solidFill>
-                <a:ea typeface="+mn-lt"/>
-                <a:cs typeface="+mn-lt"/>
               </a:rPr>
-              <a:t>manual</a:t>
-            </a:r>
-            <a:r>
-              <a:rPr lang="de-DE" dirty="0">
+            </a:br>
+            <a:r>
+              <a:rPr lang="pt-BR" dirty="0">
                 <a:solidFill>
                   <a:schemeClr val="bg1"/>
                 </a:solidFill>
-                <a:ea typeface="+mn-lt"/>
-                <a:cs typeface="+mn-lt"/>
               </a:rPr>
-              <a:t> é um </a:t>
-            </a:r>
-            <a:r>
-              <a:rPr lang="de-DE" dirty="0" err="1">
+              <a:t>O profissional executa ações como clicar e inserir dados manualmente.</a:t>
+            </a:r>
+            <a:br>
+              <a:rPr lang="pt-BR" dirty="0">
                 <a:solidFill>
                   <a:schemeClr val="bg1"/>
                 </a:solidFill>
-                <a:ea typeface="+mn-lt"/>
-                <a:cs typeface="+mn-lt"/>
               </a:rPr>
-              <a:t>processo</a:t>
-            </a:r>
-            <a:r>
-              <a:rPr lang="de-DE" dirty="0">
+            </a:br>
+            <a:r>
+              <a:rPr lang="pt-BR" dirty="0">
                 <a:solidFill>
                   <a:schemeClr val="bg1"/>
                 </a:solidFill>
-                <a:ea typeface="+mn-lt"/>
-                <a:cs typeface="+mn-lt"/>
               </a:rPr>
-              <a:t> de teste de </a:t>
-            </a:r>
-            <a:r>
-              <a:rPr lang="de-DE" dirty="0" err="1">
+              <a:t>Verifica se o software cumpre os requisitos especificados.</a:t>
+            </a:r>
+            <a:br>
+              <a:rPr lang="pt-BR" dirty="0">
                 <a:solidFill>
                   <a:schemeClr val="bg1"/>
                 </a:solidFill>
-                <a:ea typeface="+mn-lt"/>
-                <a:cs typeface="+mn-lt"/>
               </a:rPr>
-              <a:t>software</a:t>
-            </a:r>
-            <a:r>
-              <a:rPr lang="de-DE" dirty="0">
+            </a:br>
+            <a:r>
+              <a:rPr lang="pt-BR" dirty="0">
                 <a:solidFill>
                   <a:schemeClr val="bg1"/>
                 </a:solidFill>
-                <a:ea typeface="+mn-lt"/>
-                <a:cs typeface="+mn-lt"/>
               </a:rPr>
-              <a:t> </a:t>
-            </a:r>
-            <a:r>
-              <a:rPr lang="de-DE" dirty="0" err="1">
-                <a:solidFill>
-                  <a:schemeClr val="bg1"/>
-                </a:solidFill>
-                <a:ea typeface="+mn-lt"/>
-                <a:cs typeface="+mn-lt"/>
-              </a:rPr>
-              <a:t>em</a:t>
-            </a:r>
-            <a:r>
-              <a:rPr lang="de-DE" dirty="0">
-                <a:solidFill>
-                  <a:schemeClr val="bg1"/>
-                </a:solidFill>
-                <a:ea typeface="+mn-lt"/>
-                <a:cs typeface="+mn-lt"/>
-              </a:rPr>
-              <a:t> </a:t>
-            </a:r>
-            <a:r>
-              <a:rPr lang="de-DE" dirty="0" err="1">
-                <a:solidFill>
-                  <a:schemeClr val="bg1"/>
-                </a:solidFill>
-                <a:ea typeface="+mn-lt"/>
-                <a:cs typeface="+mn-lt"/>
-              </a:rPr>
-              <a:t>que</a:t>
-            </a:r>
-            <a:r>
-              <a:rPr lang="de-DE" dirty="0">
-                <a:solidFill>
-                  <a:schemeClr val="bg1"/>
-                </a:solidFill>
-                <a:ea typeface="+mn-lt"/>
-                <a:cs typeface="+mn-lt"/>
-              </a:rPr>
-              <a:t> um </a:t>
-            </a:r>
-            <a:r>
-              <a:rPr lang="de-DE" dirty="0" err="1">
-                <a:solidFill>
-                  <a:schemeClr val="bg1"/>
-                </a:solidFill>
-                <a:ea typeface="+mn-lt"/>
-                <a:cs typeface="+mn-lt"/>
-              </a:rPr>
-              <a:t>testador</a:t>
-            </a:r>
-            <a:r>
-              <a:rPr lang="de-DE" dirty="0">
-                <a:solidFill>
-                  <a:schemeClr val="bg1"/>
-                </a:solidFill>
-                <a:ea typeface="+mn-lt"/>
-                <a:cs typeface="+mn-lt"/>
-              </a:rPr>
-              <a:t> </a:t>
-            </a:r>
-            <a:r>
-              <a:rPr lang="de-DE" dirty="0" err="1">
-                <a:solidFill>
-                  <a:schemeClr val="bg1"/>
-                </a:solidFill>
-                <a:ea typeface="+mn-lt"/>
-                <a:cs typeface="+mn-lt"/>
-              </a:rPr>
-              <a:t>executa</a:t>
-            </a:r>
-            <a:r>
-              <a:rPr lang="de-DE" dirty="0">
-                <a:solidFill>
-                  <a:schemeClr val="bg1"/>
-                </a:solidFill>
-                <a:ea typeface="+mn-lt"/>
-                <a:cs typeface="+mn-lt"/>
-              </a:rPr>
-              <a:t> </a:t>
-            </a:r>
-            <a:r>
-              <a:rPr lang="de-DE" dirty="0" err="1">
-                <a:solidFill>
-                  <a:schemeClr val="bg1"/>
-                </a:solidFill>
-                <a:ea typeface="+mn-lt"/>
-                <a:cs typeface="+mn-lt"/>
-              </a:rPr>
-              <a:t>casos</a:t>
-            </a:r>
-            <a:r>
-              <a:rPr lang="de-DE" dirty="0">
-                <a:solidFill>
-                  <a:schemeClr val="bg1"/>
-                </a:solidFill>
-                <a:ea typeface="+mn-lt"/>
-                <a:cs typeface="+mn-lt"/>
-              </a:rPr>
-              <a:t> de teste </a:t>
-            </a:r>
-            <a:r>
-              <a:rPr lang="de-DE" dirty="0" err="1">
-                <a:solidFill>
-                  <a:schemeClr val="bg1"/>
-                </a:solidFill>
-                <a:ea typeface="+mn-lt"/>
-                <a:cs typeface="+mn-lt"/>
-              </a:rPr>
-              <a:t>sem</a:t>
-            </a:r>
-            <a:r>
-              <a:rPr lang="de-DE" dirty="0">
-                <a:solidFill>
-                  <a:schemeClr val="bg1"/>
-                </a:solidFill>
-                <a:ea typeface="+mn-lt"/>
-                <a:cs typeface="+mn-lt"/>
-              </a:rPr>
-              <a:t> </a:t>
-            </a:r>
-            <a:r>
-              <a:rPr lang="de-DE" dirty="0" err="1">
-                <a:solidFill>
-                  <a:schemeClr val="bg1"/>
-                </a:solidFill>
-                <a:ea typeface="+mn-lt"/>
-                <a:cs typeface="+mn-lt"/>
-              </a:rPr>
-              <a:t>usar</a:t>
-            </a:r>
-            <a:r>
-              <a:rPr lang="de-DE" dirty="0">
-                <a:solidFill>
-                  <a:schemeClr val="bg1"/>
-                </a:solidFill>
-                <a:ea typeface="+mn-lt"/>
-                <a:cs typeface="+mn-lt"/>
-              </a:rPr>
-              <a:t> </a:t>
-            </a:r>
-            <a:r>
-              <a:rPr lang="de-DE" dirty="0" err="1">
-                <a:solidFill>
-                  <a:schemeClr val="bg1"/>
-                </a:solidFill>
-                <a:ea typeface="+mn-lt"/>
-                <a:cs typeface="+mn-lt"/>
-              </a:rPr>
-              <a:t>ferramentas</a:t>
-            </a:r>
-            <a:r>
-              <a:rPr lang="de-DE" dirty="0">
-                <a:solidFill>
-                  <a:schemeClr val="bg1"/>
-                </a:solidFill>
-                <a:ea typeface="+mn-lt"/>
-                <a:cs typeface="+mn-lt"/>
-              </a:rPr>
-              <a:t> de </a:t>
-            </a:r>
-            <a:r>
-              <a:rPr lang="de-DE" dirty="0" err="1">
-                <a:solidFill>
-                  <a:schemeClr val="bg1"/>
-                </a:solidFill>
-                <a:ea typeface="+mn-lt"/>
-                <a:cs typeface="+mn-lt"/>
-              </a:rPr>
-              <a:t>automação</a:t>
-            </a:r>
-            <a:r>
-              <a:rPr lang="de-DE" dirty="0">
-                <a:solidFill>
-                  <a:schemeClr val="bg1"/>
-                </a:solidFill>
-                <a:ea typeface="+mn-lt"/>
-                <a:cs typeface="+mn-lt"/>
-              </a:rPr>
-              <a:t>. </a:t>
-            </a:r>
-            <a:r>
-              <a:rPr lang="de-DE" dirty="0" err="1">
-                <a:solidFill>
-                  <a:schemeClr val="bg1"/>
-                </a:solidFill>
-                <a:ea typeface="+mn-lt"/>
-                <a:cs typeface="+mn-lt"/>
-              </a:rPr>
-              <a:t>Em</a:t>
-            </a:r>
-            <a:r>
-              <a:rPr lang="de-DE" dirty="0">
-                <a:solidFill>
-                  <a:schemeClr val="bg1"/>
-                </a:solidFill>
-                <a:ea typeface="+mn-lt"/>
-                <a:cs typeface="+mn-lt"/>
-              </a:rPr>
-              <a:t> </a:t>
-            </a:r>
-            <a:r>
-              <a:rPr lang="de-DE" dirty="0" err="1">
-                <a:solidFill>
-                  <a:schemeClr val="bg1"/>
-                </a:solidFill>
-                <a:ea typeface="+mn-lt"/>
-                <a:cs typeface="+mn-lt"/>
-              </a:rPr>
-              <a:t>vez</a:t>
-            </a:r>
-            <a:r>
-              <a:rPr lang="de-DE" dirty="0">
-                <a:solidFill>
-                  <a:schemeClr val="bg1"/>
-                </a:solidFill>
-                <a:ea typeface="+mn-lt"/>
-                <a:cs typeface="+mn-lt"/>
-              </a:rPr>
-              <a:t> </a:t>
-            </a:r>
-            <a:r>
-              <a:rPr lang="de-DE" dirty="0" err="1">
-                <a:solidFill>
-                  <a:schemeClr val="bg1"/>
-                </a:solidFill>
-                <a:ea typeface="+mn-lt"/>
-                <a:cs typeface="+mn-lt"/>
-              </a:rPr>
-              <a:t>disso</a:t>
-            </a:r>
-            <a:r>
-              <a:rPr lang="de-DE" dirty="0">
-                <a:solidFill>
-                  <a:schemeClr val="bg1"/>
-                </a:solidFill>
-                <a:ea typeface="+mn-lt"/>
-                <a:cs typeface="+mn-lt"/>
-              </a:rPr>
-              <a:t>, o </a:t>
-            </a:r>
-            <a:r>
-              <a:rPr lang="de-DE" dirty="0" err="1">
-                <a:solidFill>
-                  <a:schemeClr val="bg1"/>
-                </a:solidFill>
-                <a:ea typeface="+mn-lt"/>
-                <a:cs typeface="+mn-lt"/>
-              </a:rPr>
-              <a:t>testador</a:t>
-            </a:r>
-            <a:r>
-              <a:rPr lang="de-DE" dirty="0">
-                <a:solidFill>
-                  <a:schemeClr val="bg1"/>
-                </a:solidFill>
-                <a:ea typeface="+mn-lt"/>
-                <a:cs typeface="+mn-lt"/>
-              </a:rPr>
-              <a:t> </a:t>
-            </a:r>
-            <a:r>
-              <a:rPr lang="de-DE" dirty="0" err="1">
-                <a:solidFill>
-                  <a:schemeClr val="bg1"/>
-                </a:solidFill>
-                <a:ea typeface="+mn-lt"/>
-                <a:cs typeface="+mn-lt"/>
-              </a:rPr>
-              <a:t>executa</a:t>
-            </a:r>
-            <a:r>
-              <a:rPr lang="de-DE" dirty="0">
-                <a:solidFill>
-                  <a:schemeClr val="bg1"/>
-                </a:solidFill>
-                <a:ea typeface="+mn-lt"/>
-                <a:cs typeface="+mn-lt"/>
-              </a:rPr>
-              <a:t> </a:t>
-            </a:r>
-            <a:r>
-              <a:rPr lang="de-DE" dirty="0" err="1">
-                <a:solidFill>
-                  <a:schemeClr val="bg1"/>
-                </a:solidFill>
-                <a:ea typeface="+mn-lt"/>
-                <a:cs typeface="+mn-lt"/>
-              </a:rPr>
-              <a:t>ações</a:t>
-            </a:r>
-            <a:r>
-              <a:rPr lang="de-DE" dirty="0">
-                <a:solidFill>
-                  <a:schemeClr val="bg1"/>
-                </a:solidFill>
-                <a:ea typeface="+mn-lt"/>
-                <a:cs typeface="+mn-lt"/>
-              </a:rPr>
-              <a:t> </a:t>
-            </a:r>
-            <a:r>
-              <a:rPr lang="de-DE" dirty="0" err="1">
-                <a:solidFill>
-                  <a:schemeClr val="bg1"/>
-                </a:solidFill>
-                <a:ea typeface="+mn-lt"/>
-                <a:cs typeface="+mn-lt"/>
-              </a:rPr>
-              <a:t>manualmente</a:t>
-            </a:r>
-            <a:r>
-              <a:rPr lang="de-DE" dirty="0">
-                <a:solidFill>
-                  <a:schemeClr val="bg1"/>
-                </a:solidFill>
-                <a:ea typeface="+mn-lt"/>
-                <a:cs typeface="+mn-lt"/>
-              </a:rPr>
-              <a:t> — </a:t>
-            </a:r>
-            <a:r>
-              <a:rPr lang="de-DE" dirty="0" err="1">
-                <a:solidFill>
-                  <a:schemeClr val="bg1"/>
-                </a:solidFill>
-                <a:ea typeface="+mn-lt"/>
-                <a:cs typeface="+mn-lt"/>
-              </a:rPr>
-              <a:t>como</a:t>
-            </a:r>
-            <a:r>
-              <a:rPr lang="de-DE" dirty="0">
-                <a:solidFill>
-                  <a:schemeClr val="bg1"/>
-                </a:solidFill>
-                <a:ea typeface="+mn-lt"/>
-                <a:cs typeface="+mn-lt"/>
-              </a:rPr>
-              <a:t> </a:t>
-            </a:r>
-            <a:r>
-              <a:rPr lang="de-DE" dirty="0" err="1">
-                <a:solidFill>
-                  <a:schemeClr val="bg1"/>
-                </a:solidFill>
-                <a:ea typeface="+mn-lt"/>
-                <a:cs typeface="+mn-lt"/>
-              </a:rPr>
-              <a:t>clicar</a:t>
-            </a:r>
-            <a:r>
-              <a:rPr lang="de-DE" dirty="0">
-                <a:solidFill>
-                  <a:schemeClr val="bg1"/>
-                </a:solidFill>
-                <a:ea typeface="+mn-lt"/>
-                <a:cs typeface="+mn-lt"/>
-              </a:rPr>
-              <a:t> </a:t>
-            </a:r>
-            <a:r>
-              <a:rPr lang="de-DE" dirty="0" err="1">
-                <a:solidFill>
-                  <a:schemeClr val="bg1"/>
-                </a:solidFill>
-                <a:ea typeface="+mn-lt"/>
-                <a:cs typeface="+mn-lt"/>
-              </a:rPr>
-              <a:t>em</a:t>
-            </a:r>
-            <a:r>
-              <a:rPr lang="de-DE" dirty="0">
-                <a:solidFill>
-                  <a:schemeClr val="bg1"/>
-                </a:solidFill>
-                <a:ea typeface="+mn-lt"/>
-                <a:cs typeface="+mn-lt"/>
-              </a:rPr>
-              <a:t> </a:t>
-            </a:r>
-            <a:r>
-              <a:rPr lang="de-DE" dirty="0" err="1">
-                <a:solidFill>
-                  <a:schemeClr val="bg1"/>
-                </a:solidFill>
-                <a:ea typeface="+mn-lt"/>
-                <a:cs typeface="+mn-lt"/>
-              </a:rPr>
-              <a:t>botões</a:t>
-            </a:r>
-            <a:r>
-              <a:rPr lang="de-DE" dirty="0">
-                <a:solidFill>
-                  <a:schemeClr val="bg1"/>
-                </a:solidFill>
-                <a:ea typeface="+mn-lt"/>
-                <a:cs typeface="+mn-lt"/>
-              </a:rPr>
-              <a:t>, </a:t>
-            </a:r>
-            <a:r>
-              <a:rPr lang="de-DE" dirty="0" err="1">
-                <a:solidFill>
-                  <a:schemeClr val="bg1"/>
-                </a:solidFill>
-                <a:ea typeface="+mn-lt"/>
-                <a:cs typeface="+mn-lt"/>
-              </a:rPr>
-              <a:t>inserir</a:t>
-            </a:r>
-            <a:r>
-              <a:rPr lang="de-DE" dirty="0">
-                <a:solidFill>
-                  <a:schemeClr val="bg1"/>
-                </a:solidFill>
-                <a:ea typeface="+mn-lt"/>
-                <a:cs typeface="+mn-lt"/>
-              </a:rPr>
-              <a:t> </a:t>
-            </a:r>
-            <a:r>
-              <a:rPr lang="de-DE" dirty="0" err="1">
-                <a:solidFill>
-                  <a:schemeClr val="bg1"/>
-                </a:solidFill>
-                <a:ea typeface="+mn-lt"/>
-                <a:cs typeface="+mn-lt"/>
-              </a:rPr>
-              <a:t>entradas</a:t>
-            </a:r>
-            <a:r>
-              <a:rPr lang="de-DE" dirty="0">
-                <a:solidFill>
-                  <a:schemeClr val="bg1"/>
-                </a:solidFill>
-                <a:ea typeface="+mn-lt"/>
-                <a:cs typeface="+mn-lt"/>
-              </a:rPr>
-              <a:t> </a:t>
-            </a:r>
-            <a:r>
-              <a:rPr lang="de-DE" dirty="0" err="1">
-                <a:solidFill>
-                  <a:schemeClr val="bg1"/>
-                </a:solidFill>
-                <a:ea typeface="+mn-lt"/>
-                <a:cs typeface="+mn-lt"/>
-              </a:rPr>
-              <a:t>ou</a:t>
-            </a:r>
-            <a:r>
-              <a:rPr lang="de-DE" dirty="0">
-                <a:solidFill>
-                  <a:schemeClr val="bg1"/>
-                </a:solidFill>
-                <a:ea typeface="+mn-lt"/>
-                <a:cs typeface="+mn-lt"/>
-              </a:rPr>
-              <a:t> </a:t>
-            </a:r>
-            <a:r>
-              <a:rPr lang="de-DE" dirty="0" err="1">
-                <a:solidFill>
-                  <a:schemeClr val="bg1"/>
-                </a:solidFill>
-                <a:ea typeface="+mn-lt"/>
-                <a:cs typeface="+mn-lt"/>
-              </a:rPr>
-              <a:t>navegar</a:t>
-            </a:r>
-            <a:r>
-              <a:rPr lang="de-DE" dirty="0">
-                <a:solidFill>
-                  <a:schemeClr val="bg1"/>
-                </a:solidFill>
-                <a:ea typeface="+mn-lt"/>
-                <a:cs typeface="+mn-lt"/>
-              </a:rPr>
-              <a:t> </a:t>
-            </a:r>
-            <a:r>
-              <a:rPr lang="de-DE" dirty="0" err="1">
-                <a:solidFill>
-                  <a:schemeClr val="bg1"/>
-                </a:solidFill>
-                <a:ea typeface="+mn-lt"/>
-                <a:cs typeface="+mn-lt"/>
-              </a:rPr>
-              <a:t>pelos</a:t>
-            </a:r>
-            <a:r>
-              <a:rPr lang="de-DE" dirty="0">
-                <a:solidFill>
-                  <a:schemeClr val="bg1"/>
-                </a:solidFill>
-                <a:ea typeface="+mn-lt"/>
-                <a:cs typeface="+mn-lt"/>
-              </a:rPr>
-              <a:t> </a:t>
-            </a:r>
-            <a:r>
-              <a:rPr lang="de-DE" dirty="0" err="1">
-                <a:solidFill>
-                  <a:schemeClr val="bg1"/>
-                </a:solidFill>
-                <a:ea typeface="+mn-lt"/>
-                <a:cs typeface="+mn-lt"/>
-              </a:rPr>
-              <a:t>fluxos</a:t>
-            </a:r>
-            <a:r>
-              <a:rPr lang="de-DE" dirty="0">
-                <a:solidFill>
-                  <a:schemeClr val="bg1"/>
-                </a:solidFill>
-                <a:ea typeface="+mn-lt"/>
-                <a:cs typeface="+mn-lt"/>
-              </a:rPr>
-              <a:t> de </a:t>
-            </a:r>
-            <a:r>
-              <a:rPr lang="de-DE" dirty="0" err="1">
-                <a:solidFill>
-                  <a:schemeClr val="bg1"/>
-                </a:solidFill>
-                <a:ea typeface="+mn-lt"/>
-                <a:cs typeface="+mn-lt"/>
-              </a:rPr>
-              <a:t>trabalho</a:t>
-            </a:r>
-            <a:r>
-              <a:rPr lang="de-DE" dirty="0">
-                <a:solidFill>
-                  <a:schemeClr val="bg1"/>
-                </a:solidFill>
-                <a:ea typeface="+mn-lt"/>
-                <a:cs typeface="+mn-lt"/>
-              </a:rPr>
-              <a:t> — </a:t>
-            </a:r>
-            <a:r>
-              <a:rPr lang="de-DE" dirty="0" err="1">
-                <a:solidFill>
-                  <a:schemeClr val="bg1"/>
-                </a:solidFill>
-                <a:ea typeface="+mn-lt"/>
-                <a:cs typeface="+mn-lt"/>
-              </a:rPr>
-              <a:t>para</a:t>
-            </a:r>
-            <a:r>
-              <a:rPr lang="de-DE" dirty="0">
-                <a:solidFill>
-                  <a:schemeClr val="bg1"/>
-                </a:solidFill>
-                <a:ea typeface="+mn-lt"/>
-                <a:cs typeface="+mn-lt"/>
-              </a:rPr>
-              <a:t> </a:t>
-            </a:r>
-            <a:r>
-              <a:rPr lang="de-DE" dirty="0" err="1">
-                <a:solidFill>
-                  <a:schemeClr val="bg1"/>
-                </a:solidFill>
-                <a:ea typeface="+mn-lt"/>
-                <a:cs typeface="+mn-lt"/>
-              </a:rPr>
-              <a:t>verificar</a:t>
-            </a:r>
-            <a:r>
-              <a:rPr lang="de-DE" dirty="0">
-                <a:solidFill>
-                  <a:schemeClr val="bg1"/>
-                </a:solidFill>
-                <a:ea typeface="+mn-lt"/>
-                <a:cs typeface="+mn-lt"/>
-              </a:rPr>
-              <a:t> se o </a:t>
-            </a:r>
-            <a:r>
-              <a:rPr lang="de-DE" dirty="0" err="1">
-                <a:solidFill>
-                  <a:schemeClr val="bg1"/>
-                </a:solidFill>
-                <a:ea typeface="+mn-lt"/>
-                <a:cs typeface="+mn-lt"/>
-              </a:rPr>
-              <a:t>software</a:t>
-            </a:r>
-            <a:r>
-              <a:rPr lang="de-DE" dirty="0">
-                <a:solidFill>
-                  <a:schemeClr val="bg1"/>
-                </a:solidFill>
-                <a:ea typeface="+mn-lt"/>
-                <a:cs typeface="+mn-lt"/>
-              </a:rPr>
-              <a:t> se </a:t>
-            </a:r>
-            <a:r>
-              <a:rPr lang="de-DE" dirty="0" err="1">
-                <a:solidFill>
-                  <a:schemeClr val="bg1"/>
-                </a:solidFill>
-                <a:ea typeface="+mn-lt"/>
-                <a:cs typeface="+mn-lt"/>
-              </a:rPr>
-              <a:t>comporta</a:t>
-            </a:r>
-            <a:r>
-              <a:rPr lang="de-DE" dirty="0">
-                <a:solidFill>
-                  <a:schemeClr val="bg1"/>
-                </a:solidFill>
-                <a:ea typeface="+mn-lt"/>
-                <a:cs typeface="+mn-lt"/>
-              </a:rPr>
-              <a:t> de </a:t>
-            </a:r>
-            <a:r>
-              <a:rPr lang="de-DE" dirty="0" err="1">
-                <a:solidFill>
-                  <a:schemeClr val="bg1"/>
-                </a:solidFill>
-                <a:ea typeface="+mn-lt"/>
-                <a:cs typeface="+mn-lt"/>
-              </a:rPr>
-              <a:t>acordo</a:t>
-            </a:r>
-            <a:r>
-              <a:rPr lang="de-DE" dirty="0">
-                <a:solidFill>
-                  <a:schemeClr val="bg1"/>
-                </a:solidFill>
-                <a:ea typeface="+mn-lt"/>
-                <a:cs typeface="+mn-lt"/>
-              </a:rPr>
-              <a:t> </a:t>
-            </a:r>
-            <a:r>
-              <a:rPr lang="de-DE" dirty="0" err="1">
-                <a:solidFill>
-                  <a:schemeClr val="bg1"/>
-                </a:solidFill>
-                <a:ea typeface="+mn-lt"/>
-                <a:cs typeface="+mn-lt"/>
-              </a:rPr>
-              <a:t>com</a:t>
-            </a:r>
-            <a:r>
-              <a:rPr lang="de-DE" dirty="0">
-                <a:solidFill>
-                  <a:schemeClr val="bg1"/>
-                </a:solidFill>
-                <a:ea typeface="+mn-lt"/>
-                <a:cs typeface="+mn-lt"/>
-              </a:rPr>
-              <a:t> </a:t>
-            </a:r>
-            <a:r>
-              <a:rPr lang="de-DE" dirty="0" err="1">
-                <a:solidFill>
-                  <a:schemeClr val="bg1"/>
-                </a:solidFill>
-                <a:ea typeface="+mn-lt"/>
-                <a:cs typeface="+mn-lt"/>
-              </a:rPr>
-              <a:t>os</a:t>
-            </a:r>
-            <a:r>
-              <a:rPr lang="de-DE" dirty="0">
-                <a:solidFill>
-                  <a:schemeClr val="bg1"/>
-                </a:solidFill>
-                <a:ea typeface="+mn-lt"/>
-                <a:cs typeface="+mn-lt"/>
-              </a:rPr>
-              <a:t> </a:t>
-            </a:r>
-            <a:r>
-              <a:rPr lang="de-DE" dirty="0" err="1">
-                <a:solidFill>
-                  <a:schemeClr val="bg1"/>
-                </a:solidFill>
-                <a:ea typeface="+mn-lt"/>
-                <a:cs typeface="+mn-lt"/>
-              </a:rPr>
-              <a:t>requisitos</a:t>
-            </a:r>
-            <a:r>
-              <a:rPr lang="de-DE" dirty="0">
-                <a:solidFill>
-                  <a:schemeClr val="bg1"/>
-                </a:solidFill>
-                <a:ea typeface="+mn-lt"/>
-                <a:cs typeface="+mn-lt"/>
-              </a:rPr>
-              <a:t> </a:t>
-            </a:r>
-            <a:r>
-              <a:rPr lang="de-DE" dirty="0" err="1">
-                <a:solidFill>
-                  <a:schemeClr val="bg1"/>
-                </a:solidFill>
-                <a:ea typeface="+mn-lt"/>
-                <a:cs typeface="+mn-lt"/>
-              </a:rPr>
-              <a:t>especificados</a:t>
-            </a:r>
-            <a:r>
-              <a:rPr lang="de-DE" dirty="0">
-                <a:solidFill>
-                  <a:schemeClr val="bg1"/>
-                </a:solidFill>
-                <a:ea typeface="+mn-lt"/>
-                <a:cs typeface="+mn-lt"/>
-              </a:rPr>
-              <a:t>.</a:t>
-            </a:r>
+              <a:t>É usado para avaliar o comportamento real do sistema.</a:t>
+            </a:r>
+          </a:p>
+          <a:p>
             <a:endParaRPr lang="pt-BR" dirty="0">
               <a:solidFill>
                 <a:schemeClr val="bg1"/>
@@ -7898,350 +7163,66 @@
         </p:spPr>
         <p:txBody>
           <a:bodyPr vert="horz" lIns="91440" tIns="45720" rIns="91440" bIns="45720" rtlCol="0" anchor="t">
-            <a:normAutofit fontScale="85000" lnSpcReduction="10000"/>
+            <a:normAutofit/>
           </a:bodyPr>
           <a:lstStyle/>
           <a:p>
-            <a:endParaRPr lang="pt-BR"/>
-          </a:p>
-          <a:p>
-            <a:r>
-              <a:rPr lang="de-DE">
+            <a:endParaRPr lang="pt-BR" dirty="0"/>
+          </a:p>
+          <a:p>
+            <a:r>
+              <a:rPr lang="pt-BR" dirty="0">
                 <a:solidFill>
                   <a:schemeClr val="bg1"/>
                 </a:solidFill>
-                <a:ea typeface="+mn-lt"/>
-                <a:cs typeface="+mn-lt"/>
               </a:rPr>
-              <a:t>O </a:t>
-            </a:r>
-            <a:r>
-              <a:rPr lang="de-DE" err="1">
+              <a:t>O teste manual garante que o software seja estável, funcional e intuitivo.</a:t>
+            </a:r>
+            <a:br>
+              <a:rPr lang="pt-BR" dirty="0">
                 <a:solidFill>
                   <a:schemeClr val="bg1"/>
                 </a:solidFill>
-                <a:ea typeface="+mn-lt"/>
-                <a:cs typeface="+mn-lt"/>
               </a:rPr>
-              <a:t>objetivo</a:t>
-            </a:r>
-            <a:r>
-              <a:rPr lang="de-DE">
+            </a:br>
+            <a:r>
+              <a:rPr lang="pt-BR" dirty="0">
                 <a:solidFill>
                   <a:schemeClr val="bg1"/>
                 </a:solidFill>
-                <a:ea typeface="+mn-lt"/>
-                <a:cs typeface="+mn-lt"/>
               </a:rPr>
-              <a:t> </a:t>
-            </a:r>
-            <a:r>
-              <a:rPr lang="de-DE" err="1">
+              <a:t>Aproveita a intuição e observação humana para detectar defeitos e problemas de usabilidade.</a:t>
+            </a:r>
+            <a:br>
+              <a:rPr lang="pt-BR" dirty="0">
                 <a:solidFill>
                   <a:schemeClr val="bg1"/>
                 </a:solidFill>
-                <a:ea typeface="+mn-lt"/>
-                <a:cs typeface="+mn-lt"/>
               </a:rPr>
-              <a:t>principal</a:t>
-            </a:r>
-            <a:r>
-              <a:rPr lang="de-DE">
+            </a:br>
+            <a:r>
+              <a:rPr lang="pt-BR" dirty="0">
                 <a:solidFill>
                   <a:schemeClr val="bg1"/>
                 </a:solidFill>
-                <a:ea typeface="+mn-lt"/>
-                <a:cs typeface="+mn-lt"/>
               </a:rPr>
-              <a:t> do teste manual é garantir que o aplicativo seja livre de bugs, estável e fácil de usar antes do lançamento. Ao contrário da automação, que depende de scripts e ferramentas, o teste manual aproveita intuição humana, criatividade e observação, tornando-o especialmente eficaz para detectar problemas de usabilidade e defeitos inesperados.</a:t>
-            </a:r>
-            <a:endParaRPr lang="de-DE">
-              <a:solidFill>
-                <a:schemeClr val="bg1"/>
-              </a:solidFill>
-            </a:endParaRPr>
-          </a:p>
-          <a:p>
-            <a:endParaRPr lang="de-DE"/>
-          </a:p>
-          <a:p>
-            <a:r>
-              <a:rPr lang="de-DE">
+              <a:t>É diferente da automação, que depende de scripts e ferramentas.</a:t>
+            </a:r>
+            <a:br>
+              <a:rPr lang="pt-BR" dirty="0">
                 <a:solidFill>
                   <a:schemeClr val="bg1"/>
                 </a:solidFill>
-                <a:ea typeface="+mn-lt"/>
-                <a:cs typeface="+mn-lt"/>
               </a:rPr>
-              <a:t>Fatos </a:t>
-            </a:r>
-            <a:r>
-              <a:rPr lang="de-DE" err="1">
+            </a:br>
+            <a:r>
+              <a:rPr lang="pt-BR" dirty="0">
                 <a:solidFill>
                   <a:schemeClr val="bg1"/>
                 </a:solidFill>
-                <a:ea typeface="+mn-lt"/>
-                <a:cs typeface="+mn-lt"/>
               </a:rPr>
-              <a:t>rápidos</a:t>
-            </a:r>
-            <a:r>
-              <a:rPr lang="de-DE">
-                <a:solidFill>
-                  <a:schemeClr val="bg1"/>
-                </a:solidFill>
-                <a:ea typeface="+mn-lt"/>
-                <a:cs typeface="+mn-lt"/>
-              </a:rPr>
-              <a:t>:</a:t>
-            </a:r>
-            <a:endParaRPr lang="de-DE">
-              <a:solidFill>
-                <a:schemeClr val="bg1"/>
-              </a:solidFill>
-            </a:endParaRPr>
-          </a:p>
-          <a:p>
-            <a:endParaRPr lang="de-DE"/>
-          </a:p>
-          <a:p>
-            <a:r>
-              <a:rPr lang="de-DE" dirty="0">
-                <a:solidFill>
-                  <a:schemeClr val="bg1"/>
-                </a:solidFill>
-                <a:ea typeface="+mn-lt"/>
-                <a:cs typeface="+mn-lt"/>
-              </a:rPr>
-              <a:t>Os </a:t>
-            </a:r>
-            <a:r>
-              <a:rPr lang="de-DE" dirty="0" err="1">
-                <a:solidFill>
-                  <a:schemeClr val="bg1"/>
-                </a:solidFill>
-                <a:ea typeface="+mn-lt"/>
-                <a:cs typeface="+mn-lt"/>
-              </a:rPr>
-              <a:t>testes</a:t>
-            </a:r>
-            <a:r>
-              <a:rPr lang="de-DE" dirty="0">
-                <a:solidFill>
-                  <a:schemeClr val="bg1"/>
-                </a:solidFill>
-                <a:ea typeface="+mn-lt"/>
-                <a:cs typeface="+mn-lt"/>
-              </a:rPr>
-              <a:t> </a:t>
-            </a:r>
-            <a:r>
-              <a:rPr lang="de-DE" dirty="0" err="1">
-                <a:solidFill>
-                  <a:schemeClr val="bg1"/>
-                </a:solidFill>
-                <a:ea typeface="+mn-lt"/>
-                <a:cs typeface="+mn-lt"/>
-              </a:rPr>
-              <a:t>manuais</a:t>
-            </a:r>
-            <a:r>
-              <a:rPr lang="de-DE" dirty="0">
-                <a:solidFill>
-                  <a:schemeClr val="bg1"/>
-                </a:solidFill>
-                <a:ea typeface="+mn-lt"/>
-                <a:cs typeface="+mn-lt"/>
-              </a:rPr>
-              <a:t> </a:t>
-            </a:r>
-            <a:r>
-              <a:rPr lang="de-DE" dirty="0" err="1">
-                <a:solidFill>
-                  <a:schemeClr val="bg1"/>
-                </a:solidFill>
-                <a:ea typeface="+mn-lt"/>
-                <a:cs typeface="+mn-lt"/>
-              </a:rPr>
-              <a:t>são</a:t>
-            </a:r>
-            <a:r>
-              <a:rPr lang="de-DE" dirty="0">
-                <a:solidFill>
-                  <a:schemeClr val="bg1"/>
-                </a:solidFill>
-                <a:ea typeface="+mn-lt"/>
-                <a:cs typeface="+mn-lt"/>
-              </a:rPr>
-              <a:t> </a:t>
-            </a:r>
-            <a:r>
-              <a:rPr lang="de-DE" dirty="0" err="1">
-                <a:solidFill>
-                  <a:schemeClr val="bg1"/>
-                </a:solidFill>
-                <a:ea typeface="+mn-lt"/>
-                <a:cs typeface="+mn-lt"/>
-              </a:rPr>
-              <a:t>realizados</a:t>
-            </a:r>
-            <a:r>
-              <a:rPr lang="de-DE" dirty="0">
-                <a:solidFill>
-                  <a:schemeClr val="bg1"/>
-                </a:solidFill>
-                <a:ea typeface="+mn-lt"/>
-                <a:cs typeface="+mn-lt"/>
-              </a:rPr>
-              <a:t> </a:t>
-            </a:r>
-            <a:r>
-              <a:rPr lang="de-DE" dirty="0" err="1">
-                <a:solidFill>
-                  <a:schemeClr val="bg1"/>
-                </a:solidFill>
-                <a:ea typeface="+mn-lt"/>
-                <a:cs typeface="+mn-lt"/>
-              </a:rPr>
-              <a:t>em</a:t>
-            </a:r>
-            <a:r>
-              <a:rPr lang="de-DE" dirty="0">
-                <a:solidFill>
-                  <a:schemeClr val="bg1"/>
-                </a:solidFill>
-                <a:ea typeface="+mn-lt"/>
-                <a:cs typeface="+mn-lt"/>
-              </a:rPr>
-              <a:t> </a:t>
-            </a:r>
-            <a:r>
-              <a:rPr lang="de-DE" dirty="0" err="1">
-                <a:solidFill>
-                  <a:schemeClr val="bg1"/>
-                </a:solidFill>
-                <a:ea typeface="+mn-lt"/>
-                <a:cs typeface="+mn-lt"/>
-              </a:rPr>
-              <a:t>vários</a:t>
-            </a:r>
-            <a:r>
-              <a:rPr lang="de-DE" dirty="0">
-                <a:solidFill>
-                  <a:schemeClr val="bg1"/>
-                </a:solidFill>
-                <a:ea typeface="+mn-lt"/>
-                <a:cs typeface="+mn-lt"/>
-              </a:rPr>
-              <a:t> </a:t>
-            </a:r>
-            <a:r>
-              <a:rPr lang="de-DE" dirty="0" err="1">
-                <a:solidFill>
-                  <a:schemeClr val="bg1"/>
-                </a:solidFill>
-                <a:ea typeface="+mn-lt"/>
-                <a:cs typeface="+mn-lt"/>
-              </a:rPr>
-              <a:t>níveis:testes</a:t>
-            </a:r>
-            <a:r>
-              <a:rPr lang="de-DE" dirty="0">
-                <a:solidFill>
-                  <a:schemeClr val="bg1"/>
-                </a:solidFill>
-                <a:ea typeface="+mn-lt"/>
-                <a:cs typeface="+mn-lt"/>
-              </a:rPr>
-              <a:t> </a:t>
-            </a:r>
-            <a:r>
-              <a:rPr lang="de-DE" dirty="0" err="1">
-                <a:solidFill>
-                  <a:schemeClr val="bg1"/>
-                </a:solidFill>
-                <a:ea typeface="+mn-lt"/>
-                <a:cs typeface="+mn-lt"/>
-              </a:rPr>
-              <a:t>unitários</a:t>
-            </a:r>
-            <a:r>
-              <a:rPr lang="de-DE" dirty="0">
-                <a:solidFill>
-                  <a:schemeClr val="bg1"/>
-                </a:solidFill>
-                <a:ea typeface="+mn-lt"/>
-                <a:cs typeface="+mn-lt"/>
-              </a:rPr>
-              <a:t>, de </a:t>
-            </a:r>
-            <a:r>
-              <a:rPr lang="de-DE" dirty="0" err="1">
-                <a:solidFill>
-                  <a:schemeClr val="bg1"/>
-                </a:solidFill>
-                <a:ea typeface="+mn-lt"/>
-                <a:cs typeface="+mn-lt"/>
-              </a:rPr>
-              <a:t>integração</a:t>
-            </a:r>
-            <a:r>
-              <a:rPr lang="de-DE" dirty="0">
-                <a:solidFill>
-                  <a:schemeClr val="bg1"/>
-                </a:solidFill>
-                <a:ea typeface="+mn-lt"/>
-                <a:cs typeface="+mn-lt"/>
-              </a:rPr>
-              <a:t>, de </a:t>
-            </a:r>
-            <a:r>
-              <a:rPr lang="de-DE" dirty="0" err="1">
-                <a:solidFill>
-                  <a:schemeClr val="bg1"/>
-                </a:solidFill>
-                <a:ea typeface="+mn-lt"/>
-                <a:cs typeface="+mn-lt"/>
-              </a:rPr>
-              <a:t>sistema</a:t>
-            </a:r>
-            <a:r>
-              <a:rPr lang="de-DE" dirty="0">
-                <a:solidFill>
-                  <a:schemeClr val="bg1"/>
-                </a:solidFill>
-                <a:ea typeface="+mn-lt"/>
-                <a:cs typeface="+mn-lt"/>
-              </a:rPr>
-              <a:t> e de </a:t>
-            </a:r>
-            <a:r>
-              <a:rPr lang="de-DE" dirty="0" err="1">
-                <a:solidFill>
-                  <a:schemeClr val="bg1"/>
-                </a:solidFill>
-                <a:ea typeface="+mn-lt"/>
-                <a:cs typeface="+mn-lt"/>
-              </a:rPr>
-              <a:t>aceitação</a:t>
-            </a:r>
-            <a:r>
-              <a:rPr lang="de-DE" dirty="0">
-                <a:solidFill>
-                  <a:schemeClr val="bg1"/>
-                </a:solidFill>
-                <a:ea typeface="+mn-lt"/>
-                <a:cs typeface="+mn-lt"/>
-              </a:rPr>
-              <a:t>.</a:t>
-            </a:r>
-            <a:endParaRPr lang="de-DE" dirty="0">
-              <a:solidFill>
-                <a:schemeClr val="bg1"/>
-              </a:solidFill>
-            </a:endParaRPr>
-          </a:p>
-          <a:p>
+              <a:t>Pode ser aplicado em testes unitários, de integração, sistema e aceitação.</a:t>
+            </a:r>
             <a:endParaRPr lang="de-DE" dirty="0">
               <a:solidFill>
                 <a:schemeClr val="bg1"/>
@@ -9127,52 +8108,54 @@
                 <a:solidFill>
                   <a:schemeClr val="bg1"/>
                 </a:solidFill>
-                <a:ea typeface="+mn-lt"/>
-                <a:cs typeface="+mn-lt"/>
               </a:rPr>
-              <a:t>Um processo estruturado é essencial para testes manuais eficazes. Ele fornece uma estrutura para cobertura abrangente e repetibilidade. Abaixo, apresento as principais etapas para realizar testes manuais:</a:t>
-            </a:r>
-            <a:endParaRPr lang="pt-BR" dirty="0">
-              <a:solidFill>
-                <a:schemeClr val="bg1"/>
-              </a:solidFill>
-            </a:endParaRPr>
-          </a:p>
-          <a:p>
-            <a:r>
+              <a:t>Um processo estruturado é crucial para testes manuais eficazes.</a:t>
+            </a:r>
+            <a:br>
               <a:rPr lang="pt-BR" dirty="0">
                 <a:solidFill>
                   <a:schemeClr val="bg1"/>
                 </a:solidFill>
-                <a:ea typeface="+mn-lt"/>
-                <a:cs typeface="+mn-lt"/>
               </a:rPr>
-              <a:t>Passo 1) Análise de Requisitos: O testador analisa documentos de requisitos, casos de uso e histórias de usuários para entender completamente o comportamento pretendido do sistema. Qualquer ambiguidade é esclarecida com os analistas de negócios ou desenvolvedores nesta etapa.</a:t>
-            </a:r>
-            <a:endParaRPr lang="pt-BR" dirty="0">
-              <a:solidFill>
-                <a:schemeClr val="bg1"/>
-              </a:solidFill>
-            </a:endParaRPr>
-          </a:p>
-          <a:p>
+            </a:br>
             <a:r>
               <a:rPr lang="pt-BR" dirty="0">
                 <a:solidFill>
                   <a:schemeClr val="bg1"/>
                 </a:solidFill>
-                <a:ea typeface="+mn-lt"/>
-                <a:cs typeface="+mn-lt"/>
               </a:rPr>
-              <a:t>Etapa 2) Criação do Plano de Teste: Este documento, frequentemente chamado de estratégia de teste, descreve o escopo, os objetivos, os recursos, o cronograma e a abordagem geral para os testes. Ele atua como um modelo para todo o esforço de teste.</a:t>
-            </a:r>
-            <a:endParaRPr lang="pt-BR" dirty="0">
-              <a:solidFill>
-                <a:schemeClr val="bg1"/>
-              </a:solidFill>
-            </a:endParaRPr>
-          </a:p>
-          <a:p>
+              <a:t>Ele garante cobertura completa e repetibilidade dos testes.</a:t>
+            </a:r>
+            <a:br>
+              <a:rPr lang="pt-BR" dirty="0">
+                <a:solidFill>
+                  <a:schemeClr val="bg1"/>
+                </a:solidFill>
+              </a:rPr>
+            </a:br>
+            <a:r>
+              <a:rPr lang="pt-BR" dirty="0">
+                <a:solidFill>
+                  <a:schemeClr val="bg1"/>
+                </a:solidFill>
+              </a:rPr>
+              <a:t>Envolve análise de requisitos para entender o sistema e esclarecer ambiguidades.</a:t>
+            </a:r>
+            <a:br>
+              <a:rPr lang="pt-BR" dirty="0">
+                <a:solidFill>
+                  <a:schemeClr val="bg1"/>
+                </a:solidFill>
+              </a:rPr>
+            </a:br>
+            <a:r>
+              <a:rPr lang="pt-BR" dirty="0">
+                <a:solidFill>
+                  <a:schemeClr val="bg1"/>
+                </a:solidFill>
+              </a:rPr>
+              <a:t>Inclui a criação de um plano de teste detalhando escopo, objetivos e abordagem.</a:t>
+            </a:r>
             <a:endParaRPr lang="pt-BR" dirty="0">
               <a:solidFill>
                 <a:schemeClr val="bg1"/>
